--- a/slide/chap5.pptx
+++ b/slide/chap5.pptx
@@ -3825,10 +3825,10 @@
           <p:nvPr/>
         </p:nvPicPr>
         <p:blipFill>
-          <a:blip r:embed="rId2" cstate="print">
+          <a:blip r:embed="rId2" cstate="screen">
             <a:extLst>
               <a:ext uri="{28A0092B-C50C-407E-A947-70E740481C1C}">
-                <a14:useLocalDpi xmlns:a14="http://schemas.microsoft.com/office/drawing/2010/main" val="0"/>
+                <a14:useLocalDpi xmlns:a14="http://schemas.microsoft.com/office/drawing/2010/main"/>
               </a:ext>
             </a:extLst>
           </a:blip>
@@ -4006,7 +4006,13 @@
           <p:nvPr/>
         </p:nvPicPr>
         <p:blipFill>
-          <a:blip r:embed="rId2"/>
+          <a:blip r:embed="rId2" cstate="screen">
+            <a:extLst>
+              <a:ext uri="{28A0092B-C50C-407E-A947-70E740481C1C}">
+                <a14:useLocalDpi xmlns:a14="http://schemas.microsoft.com/office/drawing/2010/main"/>
+              </a:ext>
+            </a:extLst>
+          </a:blip>
           <a:stretch>
             <a:fillRect/>
           </a:stretch>
@@ -4107,10 +4113,10 @@
           <p:nvPr/>
         </p:nvPicPr>
         <p:blipFill>
-          <a:blip r:embed="rId2" cstate="print">
+          <a:blip r:embed="rId2" cstate="screen">
             <a:extLst>
               <a:ext uri="{28A0092B-C50C-407E-A947-70E740481C1C}">
-                <a14:useLocalDpi xmlns:a14="http://schemas.microsoft.com/office/drawing/2010/main" val="0"/>
+                <a14:useLocalDpi xmlns:a14="http://schemas.microsoft.com/office/drawing/2010/main"/>
               </a:ext>
             </a:extLst>
           </a:blip>
@@ -4873,7 +4879,13 @@
           <p:nvPr/>
         </p:nvPicPr>
         <p:blipFill>
-          <a:blip r:embed="rId2"/>
+          <a:blip r:embed="rId2" cstate="screen">
+            <a:extLst>
+              <a:ext uri="{28A0092B-C50C-407E-A947-70E740481C1C}">
+                <a14:useLocalDpi xmlns:a14="http://schemas.microsoft.com/office/drawing/2010/main"/>
+              </a:ext>
+            </a:extLst>
+          </a:blip>
           <a:stretch>
             <a:fillRect/>
           </a:stretch>
@@ -5386,10 +5398,10 @@
           <p:nvPr/>
         </p:nvPicPr>
         <p:blipFill>
-          <a:blip r:embed="rId2" cstate="print">
+          <a:blip r:embed="rId2" cstate="screen">
             <a:extLst>
               <a:ext uri="{28A0092B-C50C-407E-A947-70E740481C1C}">
-                <a14:useLocalDpi xmlns:a14="http://schemas.microsoft.com/office/drawing/2010/main" val="0"/>
+                <a14:useLocalDpi xmlns:a14="http://schemas.microsoft.com/office/drawing/2010/main"/>
               </a:ext>
             </a:extLst>
           </a:blip>
@@ -5683,10 +5695,10 @@
           <p:nvPr/>
         </p:nvPicPr>
         <p:blipFill>
-          <a:blip r:embed="rId2">
+          <a:blip r:embed="rId2" cstate="screen">
             <a:extLst>
               <a:ext uri="{28A0092B-C50C-407E-A947-70E740481C1C}">
-                <a14:useLocalDpi xmlns:a14="http://schemas.microsoft.com/office/drawing/2010/main" val="0"/>
+                <a14:useLocalDpi xmlns:a14="http://schemas.microsoft.com/office/drawing/2010/main"/>
               </a:ext>
               <a:ext uri="{837473B0-CC2E-450A-ABE3-18F120FF3D39}">
                 <a1611:picAttrSrcUrl xmlns:a1611="http://schemas.microsoft.com/office/drawing/2016/11/main" r:id="rId3"/>
@@ -7019,10 +7031,10 @@
           <p:nvPr/>
         </p:nvPicPr>
         <p:blipFill>
-          <a:blip r:embed="rId2" cstate="print">
+          <a:blip r:embed="rId2" cstate="screen">
             <a:extLst>
               <a:ext uri="{28A0092B-C50C-407E-A947-70E740481C1C}">
-                <a14:useLocalDpi xmlns:a14="http://schemas.microsoft.com/office/drawing/2010/main" val="0"/>
+                <a14:useLocalDpi xmlns:a14="http://schemas.microsoft.com/office/drawing/2010/main"/>
               </a:ext>
             </a:extLst>
           </a:blip>
